--- a/그림자료/블로그_그림.pptx
+++ b/그림자료/블로그_그림.pptx
@@ -105,6 +105,11 @@
       </a:defRPr>
     </a:lvl9pPr>
   </p:defaultTextStyle>
+  <p:extLst>
+    <p:ext uri="{EFAFB233-063F-42B5-8137-9DF3F51BA10A}">
+      <p15:sldGuideLst xmlns:p15="http://schemas.microsoft.com/office/powerpoint/2012/main"/>
+    </p:ext>
+  </p:extLst>
 </p:presentation>
 </file>
 
@@ -3337,7 +3342,7 @@
         <p:spPr>
           <a:xfrm>
             <a:off x="4823097" y="482600"/>
-            <a:ext cx="1054100" cy="1079500"/>
+            <a:ext cx="728617" cy="732246"/>
           </a:xfrm>
           <a:prstGeom prst="ellipse">
             <a:avLst/>
@@ -3372,10 +3377,10 @@
       </p:sp>
       <p:sp>
         <p:nvSpPr>
-          <p:cNvPr id="5" name="타원 4">
-            <a:extLst>
-              <a:ext uri="{FF2B5EF4-FFF2-40B4-BE49-F238E27FC236}">
-                <a16:creationId xmlns:a16="http://schemas.microsoft.com/office/drawing/2014/main" id="{BA3EDEF6-4C6C-4DB3-AEE7-926DDCF34EA2}"/>
+          <p:cNvPr id="7" name="타원 6">
+            <a:extLst>
+              <a:ext uri="{FF2B5EF4-FFF2-40B4-BE49-F238E27FC236}">
+                <a16:creationId xmlns:a16="http://schemas.microsoft.com/office/drawing/2014/main" id="{17123B7E-1398-4925-A0BE-218730175476}"/>
               </a:ext>
             </a:extLst>
           </p:cNvPr>
@@ -3384,8 +3389,8 @@
         </p:nvSpPr>
         <p:spPr>
           <a:xfrm>
-            <a:off x="3460205" y="2349500"/>
-            <a:ext cx="1054100" cy="1079500"/>
+            <a:off x="5731691" y="1675675"/>
+            <a:ext cx="728617" cy="732246"/>
           </a:xfrm>
           <a:prstGeom prst="ellipse">
             <a:avLst/>
@@ -3420,10 +3425,10 @@
       </p:sp>
       <p:sp>
         <p:nvSpPr>
-          <p:cNvPr id="6" name="타원 5">
-            <a:extLst>
-              <a:ext uri="{FF2B5EF4-FFF2-40B4-BE49-F238E27FC236}">
-                <a16:creationId xmlns:a16="http://schemas.microsoft.com/office/drawing/2014/main" id="{C3F4F94E-24CC-4EA2-BB91-CC257BB649CF}"/>
+          <p:cNvPr id="8" name="타원 7">
+            <a:extLst>
+              <a:ext uri="{FF2B5EF4-FFF2-40B4-BE49-F238E27FC236}">
+                <a16:creationId xmlns:a16="http://schemas.microsoft.com/office/drawing/2014/main" id="{F767B39F-DEFA-49F8-8638-79A63C775DFD}"/>
               </a:ext>
             </a:extLst>
           </p:cNvPr>
@@ -3432,8 +3437,8 @@
         </p:nvSpPr>
         <p:spPr>
           <a:xfrm>
-            <a:off x="6096000" y="2349500"/>
-            <a:ext cx="1054100" cy="1079500"/>
+            <a:off x="3913051" y="1675675"/>
+            <a:ext cx="728617" cy="732246"/>
           </a:xfrm>
           <a:prstGeom prst="ellipse">
             <a:avLst/>
